--- a/description/Webprojekt �Phyton.pptx
+++ b/description/Webprojekt �Phyton.pptx
@@ -3491,7 +3491,7 @@
             </a:r>
             <a:r>
               <a:rPr lang="de-DE" sz="1200" dirty="0" smtClean="0"/>
-              <a:t>“ baut auf die herkömmlichen Web-Technologien auf wie HTML5, CSS3, JScript &amp; Ajax und natürlich auch PHP und MySQL zur Datenverwaltung. Es dürfte allerdings auch kein Problem sein andere Schnittstellen als PHP und MySQL zu verwenden. Vorausgesetzt man schreibt sich seine eigene Schnittstelle. </a:t>
+              <a:t>“ baut auf die herkömmlichen Web-Technologien auf wie HTML5, CSS3, JScript &amp; Ajax und natürlich auch PHP und MySQL zur Datenverwaltung. Es dürfte allerdings auch kein Problem sein andere Schnittstellen als PHP und MySQL zu verwenden. </a:t>
             </a:r>
             <a:br>
               <a:rPr lang="de-DE" sz="1200" dirty="0" smtClean="0"/>
@@ -3505,7 +3505,7 @@
             </a:br>
             <a:r>
               <a:rPr lang="de-DE" sz="1200" dirty="0" smtClean="0"/>
-              <a:t>Der große Vorteil dabei ist die Möglichkeit sich sein Passwort bildlich zu merken was somit auch ideal für die jüngeren Menschen unter uns ist. </a:t>
+              <a:t>Der große Vorteil dabei ist die Möglichkeit sich sein Passwort bildlich zu merken was somit auch ideal für jüngere Menschen unter uns ist. </a:t>
             </a:r>
             <a:endParaRPr lang="de-DE" sz="1200" dirty="0"/>
           </a:p>
